--- a/Notes.pptx
+++ b/Notes.pptx
@@ -7,6 +7,7 @@
   <p:sldIdLst>
     <p:sldId id="256" r:id="rId2"/>
     <p:sldId id="257" r:id="rId3"/>
+    <p:sldId id="258" r:id="rId4"/>
   </p:sldIdLst>
   <p:sldSz cx="12192000" cy="6858000"/>
   <p:notesSz cx="6858000" cy="9144000"/>
@@ -105,6 +106,11 @@
       </a:defRPr>
     </a:lvl9pPr>
   </p:defaultTextStyle>
+  <p:extLst>
+    <p:ext uri="{EFAFB233-063F-42B5-8137-9DF3F51BA10A}">
+      <p15:sldGuideLst xmlns:p15="http://schemas.microsoft.com/office/powerpoint/2012/main"/>
+    </p:ext>
+  </p:extLst>
 </p:presentation>
 </file>
 
@@ -257,7 +263,7 @@
           <a:p>
             <a:fld id="{2ECCE337-9D78-47CE-9570-92184F4CB27F}" type="datetimeFigureOut">
               <a:rPr lang="en-CA" smtClean="0"/>
-              <a:t>2020-04-27</a:t>
+              <a:t>2020-04-28</a:t>
             </a:fld>
             <a:endParaRPr lang="en-CA"/>
           </a:p>
@@ -457,7 +463,7 @@
           <a:p>
             <a:fld id="{2ECCE337-9D78-47CE-9570-92184F4CB27F}" type="datetimeFigureOut">
               <a:rPr lang="en-CA" smtClean="0"/>
-              <a:t>2020-04-27</a:t>
+              <a:t>2020-04-28</a:t>
             </a:fld>
             <a:endParaRPr lang="en-CA"/>
           </a:p>
@@ -667,7 +673,7 @@
           <a:p>
             <a:fld id="{2ECCE337-9D78-47CE-9570-92184F4CB27F}" type="datetimeFigureOut">
               <a:rPr lang="en-CA" smtClean="0"/>
-              <a:t>2020-04-27</a:t>
+              <a:t>2020-04-28</a:t>
             </a:fld>
             <a:endParaRPr lang="en-CA"/>
           </a:p>
@@ -867,7 +873,7 @@
           <a:p>
             <a:fld id="{2ECCE337-9D78-47CE-9570-92184F4CB27F}" type="datetimeFigureOut">
               <a:rPr lang="en-CA" smtClean="0"/>
-              <a:t>2020-04-27</a:t>
+              <a:t>2020-04-28</a:t>
             </a:fld>
             <a:endParaRPr lang="en-CA"/>
           </a:p>
@@ -1143,7 +1149,7 @@
           <a:p>
             <a:fld id="{2ECCE337-9D78-47CE-9570-92184F4CB27F}" type="datetimeFigureOut">
               <a:rPr lang="en-CA" smtClean="0"/>
-              <a:t>2020-04-27</a:t>
+              <a:t>2020-04-28</a:t>
             </a:fld>
             <a:endParaRPr lang="en-CA"/>
           </a:p>
@@ -1411,7 +1417,7 @@
           <a:p>
             <a:fld id="{2ECCE337-9D78-47CE-9570-92184F4CB27F}" type="datetimeFigureOut">
               <a:rPr lang="en-CA" smtClean="0"/>
-              <a:t>2020-04-27</a:t>
+              <a:t>2020-04-28</a:t>
             </a:fld>
             <a:endParaRPr lang="en-CA"/>
           </a:p>
@@ -1826,7 +1832,7 @@
           <a:p>
             <a:fld id="{2ECCE337-9D78-47CE-9570-92184F4CB27F}" type="datetimeFigureOut">
               <a:rPr lang="en-CA" smtClean="0"/>
-              <a:t>2020-04-27</a:t>
+              <a:t>2020-04-28</a:t>
             </a:fld>
             <a:endParaRPr lang="en-CA"/>
           </a:p>
@@ -1968,7 +1974,7 @@
           <a:p>
             <a:fld id="{2ECCE337-9D78-47CE-9570-92184F4CB27F}" type="datetimeFigureOut">
               <a:rPr lang="en-CA" smtClean="0"/>
-              <a:t>2020-04-27</a:t>
+              <a:t>2020-04-28</a:t>
             </a:fld>
             <a:endParaRPr lang="en-CA"/>
           </a:p>
@@ -2081,7 +2087,7 @@
           <a:p>
             <a:fld id="{2ECCE337-9D78-47CE-9570-92184F4CB27F}" type="datetimeFigureOut">
               <a:rPr lang="en-CA" smtClean="0"/>
-              <a:t>2020-04-27</a:t>
+              <a:t>2020-04-28</a:t>
             </a:fld>
             <a:endParaRPr lang="en-CA"/>
           </a:p>
@@ -2394,7 +2400,7 @@
           <a:p>
             <a:fld id="{2ECCE337-9D78-47CE-9570-92184F4CB27F}" type="datetimeFigureOut">
               <a:rPr lang="en-CA" smtClean="0"/>
-              <a:t>2020-04-27</a:t>
+              <a:t>2020-04-28</a:t>
             </a:fld>
             <a:endParaRPr lang="en-CA"/>
           </a:p>
@@ -2683,7 +2689,7 @@
           <a:p>
             <a:fld id="{2ECCE337-9D78-47CE-9570-92184F4CB27F}" type="datetimeFigureOut">
               <a:rPr lang="en-CA" smtClean="0"/>
-              <a:t>2020-04-27</a:t>
+              <a:t>2020-04-28</a:t>
             </a:fld>
             <a:endParaRPr lang="en-CA"/>
           </a:p>
@@ -2926,7 +2932,7 @@
           <a:p>
             <a:fld id="{2ECCE337-9D78-47CE-9570-92184F4CB27F}" type="datetimeFigureOut">
               <a:rPr lang="en-CA" smtClean="0"/>
-              <a:t>2020-04-27</a:t>
+              <a:t>2020-04-28</a:t>
             </a:fld>
             <a:endParaRPr lang="en-CA"/>
           </a:p>
@@ -3357,8 +3363,8 @@
         </p:nvSpPr>
         <p:spPr>
           <a:xfrm>
-            <a:off x="1300295" y="847288"/>
-            <a:ext cx="1191236" cy="3693319"/>
+            <a:off x="996358" y="743388"/>
+            <a:ext cx="1870744" cy="3139321"/>
           </a:xfrm>
           <a:prstGeom prst="rect">
             <a:avLst/>
@@ -3378,31 +3384,36 @@
           <a:p>
             <a:r>
               <a:rPr lang="en-US" dirty="0"/>
-              <a:t>User {</a:t>
+              <a:t>{</a:t>
             </a:r>
           </a:p>
           <a:p>
             <a:r>
               <a:rPr lang="en-US" dirty="0"/>
-              <a:t>Name:</a:t>
+              <a:t>Name: Tom</a:t>
             </a:r>
           </a:p>
           <a:p>
             <a:r>
               <a:rPr lang="en-US" dirty="0"/>
-              <a:t>Age:</a:t>
+              <a:t>Age: 26</a:t>
             </a:r>
           </a:p>
           <a:p>
             <a:r>
               <a:rPr lang="en-US" dirty="0"/>
-              <a:t>Location:</a:t>
-            </a:r>
+              <a:t>Location: </a:t>
+            </a:r>
+            <a:r>
+              <a:rPr lang="en-US" dirty="0" err="1"/>
+              <a:t>Zipcode</a:t>
+            </a:r>
+            <a:endParaRPr lang="en-US" dirty="0"/>
           </a:p>
           <a:p>
             <a:r>
               <a:rPr lang="en-US" dirty="0"/>
-              <a:t>Email:</a:t>
+              <a:t>Time: 3hrs/week</a:t>
             </a:r>
           </a:p>
           <a:p>
@@ -3414,31 +3425,13 @@
           <a:p>
             <a:r>
               <a:rPr lang="en-US" dirty="0"/>
-              <a:t>Art: 5</a:t>
+              <a:t>(interest &lt;string&gt;, rating &lt;int&gt;, experience) ….</a:t>
             </a:r>
           </a:p>
           <a:p>
             <a:r>
               <a:rPr lang="en-US" dirty="0"/>
-              <a:t>Music: 4</a:t>
-            </a:r>
-          </a:p>
-          <a:p>
-            <a:r>
-              <a:rPr lang="en-US" dirty="0"/>
-              <a:t>Sports:1</a:t>
-            </a:r>
-          </a:p>
-          <a:p>
-            <a:r>
-              <a:rPr lang="en-US" dirty="0"/>
-              <a:t>Coding: 3]</a:t>
-            </a:r>
-          </a:p>
-          <a:p>
-            <a:r>
-              <a:rPr lang="en-US" dirty="0"/>
-              <a:t>Time: 3hrs/week</a:t>
+              <a:t>]</a:t>
             </a:r>
           </a:p>
           <a:p>
@@ -3798,100 +3791,8 @@
         </p:nvSpPr>
         <p:spPr>
           <a:xfrm>
-            <a:off x="1786855" y="4572000"/>
-            <a:ext cx="494951" cy="1438712"/>
-          </a:xfrm>
-          <a:prstGeom prst="downArrow">
-            <a:avLst/>
-          </a:prstGeom>
-        </p:spPr>
-        <p:style>
-          <a:lnRef idx="2">
-            <a:schemeClr val="accent1">
-              <a:shade val="50000"/>
-            </a:schemeClr>
-          </a:lnRef>
-          <a:fillRef idx="1">
-            <a:schemeClr val="accent1"/>
-          </a:fillRef>
-          <a:effectRef idx="0">
-            <a:schemeClr val="accent1"/>
-          </a:effectRef>
-          <a:fontRef idx="minor">
-            <a:schemeClr val="lt1"/>
-          </a:fontRef>
-        </p:style>
-        <p:txBody>
-          <a:bodyPr rtlCol="0" anchor="ctr"/>
-          <a:lstStyle/>
-          <a:p>
-            <a:pPr algn="ctr"/>
-            <a:endParaRPr lang="en-CA"/>
-          </a:p>
-        </p:txBody>
-      </p:sp>
-      <p:sp>
-        <p:nvSpPr>
-          <p:cNvPr id="16" name="Arrow: Down 15">
-            <a:extLst>
-              <a:ext uri="{FF2B5EF4-FFF2-40B4-BE49-F238E27FC236}">
-                <a16:creationId xmlns:a16="http://schemas.microsoft.com/office/drawing/2014/main" id="{11B2C809-5D9B-4BF0-885F-3113CC868971}"/>
-              </a:ext>
-            </a:extLst>
-          </p:cNvPr>
-          <p:cNvSpPr/>
-          <p:nvPr/>
-        </p:nvSpPr>
-        <p:spPr>
-          <a:xfrm>
-            <a:off x="1577130" y="4764947"/>
-            <a:ext cx="1442907" cy="1132514"/>
-          </a:xfrm>
-          <a:prstGeom prst="downArrow">
-            <a:avLst/>
-          </a:prstGeom>
-        </p:spPr>
-        <p:style>
-          <a:lnRef idx="2">
-            <a:schemeClr val="accent1">
-              <a:shade val="50000"/>
-            </a:schemeClr>
-          </a:lnRef>
-          <a:fillRef idx="1">
-            <a:schemeClr val="accent1"/>
-          </a:fillRef>
-          <a:effectRef idx="0">
-            <a:schemeClr val="accent1"/>
-          </a:effectRef>
-          <a:fontRef idx="minor">
-            <a:schemeClr val="lt1"/>
-          </a:fontRef>
-        </p:style>
-        <p:txBody>
-          <a:bodyPr rtlCol="0" anchor="ctr"/>
-          <a:lstStyle/>
-          <a:p>
-            <a:pPr algn="ctr"/>
-            <a:endParaRPr lang="en-CA"/>
-          </a:p>
-        </p:txBody>
-      </p:sp>
-      <p:sp>
-        <p:nvSpPr>
-          <p:cNvPr id="19" name="Arrow: Down 18">
-            <a:extLst>
-              <a:ext uri="{FF2B5EF4-FFF2-40B4-BE49-F238E27FC236}">
-                <a16:creationId xmlns:a16="http://schemas.microsoft.com/office/drawing/2014/main" id="{8B778D8A-15A8-4C7C-AB04-B88DA9D7AB28}"/>
-              </a:ext>
-            </a:extLst>
-          </p:cNvPr>
-          <p:cNvSpPr/>
-          <p:nvPr/>
-        </p:nvSpPr>
-        <p:spPr>
-          <a:xfrm rot="5400000">
-            <a:off x="2903990" y="1125523"/>
-            <a:ext cx="1191236" cy="847613"/>
+            <a:off x="1778466" y="5544702"/>
+            <a:ext cx="494951" cy="1057434"/>
           </a:xfrm>
           <a:prstGeom prst="downArrow">
             <a:avLst/>
@@ -4413,6 +4314,210 @@
     <p:extLst>
       <p:ext uri="{BB962C8B-B14F-4D97-AF65-F5344CB8AC3E}">
         <p14:creationId xmlns:p14="http://schemas.microsoft.com/office/powerpoint/2010/main" val="2891810311"/>
+      </p:ext>
+    </p:extLst>
+  </p:cSld>
+  <p:clrMapOvr>
+    <a:masterClrMapping/>
+  </p:clrMapOvr>
+</p:sld>
+</file>
+
+<file path=ppt/slides/slide3.xml><?xml version="1.0" encoding="utf-8"?>
+<p:sld xmlns:a="http://schemas.openxmlformats.org/drawingml/2006/main" xmlns:r="http://schemas.openxmlformats.org/officeDocument/2006/relationships" xmlns:p="http://schemas.openxmlformats.org/presentationml/2006/main">
+  <p:cSld>
+    <p:spTree>
+      <p:nvGrpSpPr>
+        <p:cNvPr id="1" name=""/>
+        <p:cNvGrpSpPr/>
+        <p:nvPr/>
+      </p:nvGrpSpPr>
+      <p:grpSpPr>
+        <a:xfrm>
+          <a:off x="0" y="0"/>
+          <a:ext cx="0" cy="0"/>
+          <a:chOff x="0" y="0"/>
+          <a:chExt cx="0" cy="0"/>
+        </a:xfrm>
+      </p:grpSpPr>
+      <p:sp>
+        <p:nvSpPr>
+          <p:cNvPr id="2" name="Title 1">
+            <a:extLst>
+              <a:ext uri="{FF2B5EF4-FFF2-40B4-BE49-F238E27FC236}">
+                <a16:creationId xmlns:a16="http://schemas.microsoft.com/office/drawing/2014/main" id="{D63C27F1-C57C-4A7D-94F4-5FF861BF1C6A}"/>
+              </a:ext>
+            </a:extLst>
+          </p:cNvPr>
+          <p:cNvSpPr>
+            <a:spLocks noGrp="1"/>
+          </p:cNvSpPr>
+          <p:nvPr>
+            <p:ph type="title"/>
+          </p:nvPr>
+        </p:nvSpPr>
+        <p:spPr/>
+        <p:txBody>
+          <a:bodyPr/>
+          <a:lstStyle/>
+          <a:p>
+            <a:endParaRPr lang="en-CA"/>
+          </a:p>
+        </p:txBody>
+      </p:sp>
+      <p:sp>
+        <p:nvSpPr>
+          <p:cNvPr id="3" name="Content Placeholder 2">
+            <a:extLst>
+              <a:ext uri="{FF2B5EF4-FFF2-40B4-BE49-F238E27FC236}">
+                <a16:creationId xmlns:a16="http://schemas.microsoft.com/office/drawing/2014/main" id="{DD4C98D0-8386-4239-BC59-084ED210DCFF}"/>
+              </a:ext>
+            </a:extLst>
+          </p:cNvPr>
+          <p:cNvSpPr>
+            <a:spLocks noGrp="1"/>
+          </p:cNvSpPr>
+          <p:nvPr>
+            <p:ph idx="1"/>
+          </p:nvPr>
+        </p:nvSpPr>
+        <p:spPr/>
+        <p:txBody>
+          <a:bodyPr>
+            <a:normAutofit fontScale="92500" lnSpcReduction="10000"/>
+          </a:bodyPr>
+          <a:lstStyle/>
+          <a:p>
+            <a:r>
+              <a:rPr lang="en-US" sz="1800" dirty="0"/>
+              <a:t>Projects</a:t>
+            </a:r>
+          </a:p>
+          <a:p>
+            <a:endParaRPr lang="en-US" sz="1800" dirty="0"/>
+          </a:p>
+          <a:p>
+            <a:pPr marL="0" indent="0">
+              <a:buNone/>
+            </a:pPr>
+            <a:r>
+              <a:rPr lang="en-US" sz="1800" dirty="0"/>
+              <a:t>{</a:t>
+            </a:r>
+          </a:p>
+          <a:p>
+            <a:pPr marL="0" indent="0">
+              <a:buNone/>
+            </a:pPr>
+            <a:r>
+              <a:rPr lang="en-US" sz="1800" dirty="0"/>
+              <a:t>[Name: Collab Website &lt;string&gt;,</a:t>
+            </a:r>
+          </a:p>
+          <a:p>
+            <a:pPr marL="0" indent="0">
+              <a:buNone/>
+            </a:pPr>
+            <a:r>
+              <a:rPr lang="en-US" sz="1800" dirty="0"/>
+              <a:t>Description: </a:t>
+            </a:r>
+            <a:r>
+              <a:rPr lang="en-US" sz="1800" dirty="0" err="1"/>
+              <a:t>BrainStation</a:t>
+            </a:r>
+            <a:r>
+              <a:rPr lang="en-US" sz="1800" dirty="0"/>
+              <a:t> Hackathon project &lt;string&gt;</a:t>
+            </a:r>
+          </a:p>
+          <a:p>
+            <a:pPr marL="0" indent="0">
+              <a:buNone/>
+            </a:pPr>
+            <a:r>
+              <a:rPr lang="en-US" sz="1800" dirty="0"/>
+              <a:t>Time: 5  </a:t>
+            </a:r>
+            <a:r>
+              <a:rPr lang="en-US" sz="1800" dirty="0" err="1"/>
+              <a:t>hrs</a:t>
+            </a:r>
+            <a:r>
+              <a:rPr lang="en-US" sz="1800" dirty="0"/>
+              <a:t>/week &lt;int&gt;</a:t>
+            </a:r>
+          </a:p>
+          <a:p>
+            <a:pPr marL="0" indent="0">
+              <a:buNone/>
+            </a:pPr>
+            <a:r>
+              <a:rPr lang="en-US" sz="1800" dirty="0"/>
+              <a:t>Users: [&lt;list of users on project&gt;]</a:t>
+            </a:r>
+          </a:p>
+          <a:p>
+            <a:pPr marL="0" indent="0">
+              <a:buNone/>
+            </a:pPr>
+            <a:r>
+              <a:rPr lang="en-US" sz="1800" dirty="0"/>
+              <a:t>Project owner: Project creator &lt;string&gt;</a:t>
+            </a:r>
+          </a:p>
+          <a:p>
+            <a:pPr marL="0" indent="0">
+              <a:buNone/>
+            </a:pPr>
+            <a:r>
+              <a:rPr lang="en-US" sz="1800" dirty="0"/>
+              <a:t>User limit: Number of allowed users for the project &lt;int&gt;</a:t>
+            </a:r>
+          </a:p>
+          <a:p>
+            <a:pPr marL="0" indent="0">
+              <a:buNone/>
+            </a:pPr>
+            <a:r>
+              <a:rPr lang="en-US" sz="1800" dirty="0"/>
+              <a:t>Interests: [ interest objects: interests name &lt; string&gt;, experience &lt;string&gt;]</a:t>
+            </a:r>
+          </a:p>
+          <a:p>
+            <a:pPr marL="0" indent="0">
+              <a:buNone/>
+            </a:pPr>
+            <a:r>
+              <a:rPr lang="en-US" sz="1800" dirty="0"/>
+              <a:t>]</a:t>
+            </a:r>
+          </a:p>
+          <a:p>
+            <a:pPr marL="0" indent="0">
+              <a:buNone/>
+            </a:pPr>
+            <a:r>
+              <a:rPr lang="en-US" sz="1800" dirty="0"/>
+              <a:t>]</a:t>
+            </a:r>
+          </a:p>
+          <a:p>
+            <a:pPr marL="0" indent="0">
+              <a:buNone/>
+            </a:pPr>
+            <a:r>
+              <a:rPr lang="en-US" sz="1800" dirty="0"/>
+              <a:t>}</a:t>
+            </a:r>
+            <a:endParaRPr lang="en-CA" sz="1800" dirty="0"/>
+          </a:p>
+        </p:txBody>
+      </p:sp>
+    </p:spTree>
+    <p:extLst>
+      <p:ext uri="{BB962C8B-B14F-4D97-AF65-F5344CB8AC3E}">
+        <p14:creationId xmlns:p14="http://schemas.microsoft.com/office/powerpoint/2010/main" val="2110521482"/>
       </p:ext>
     </p:extLst>
   </p:cSld>

--- a/Notes.pptx
+++ b/Notes.pptx
@@ -8,6 +8,7 @@
     <p:sldId id="256" r:id="rId2"/>
     <p:sldId id="257" r:id="rId3"/>
     <p:sldId id="258" r:id="rId4"/>
+    <p:sldId id="259" r:id="rId5"/>
   </p:sldIdLst>
   <p:sldSz cx="12192000" cy="6858000"/>
   <p:notesSz cx="6858000" cy="9144000"/>
@@ -4527,6 +4528,502 @@
 </p:sld>
 </file>
 
+<file path=ppt/slides/slide4.xml><?xml version="1.0" encoding="utf-8"?>
+<p:sld xmlns:a="http://schemas.openxmlformats.org/drawingml/2006/main" xmlns:r="http://schemas.openxmlformats.org/officeDocument/2006/relationships" xmlns:p="http://schemas.openxmlformats.org/presentationml/2006/main">
+  <p:cSld>
+    <p:spTree>
+      <p:nvGrpSpPr>
+        <p:cNvPr id="1" name=""/>
+        <p:cNvGrpSpPr/>
+        <p:nvPr/>
+      </p:nvGrpSpPr>
+      <p:grpSpPr>
+        <a:xfrm>
+          <a:off x="0" y="0"/>
+          <a:ext cx="0" cy="0"/>
+          <a:chOff x="0" y="0"/>
+          <a:chExt cx="0" cy="0"/>
+        </a:xfrm>
+      </p:grpSpPr>
+      <p:sp>
+        <p:nvSpPr>
+          <p:cNvPr id="4" name="Rectangle 3">
+            <a:extLst>
+              <a:ext uri="{FF2B5EF4-FFF2-40B4-BE49-F238E27FC236}">
+                <a16:creationId xmlns:a16="http://schemas.microsoft.com/office/drawing/2014/main" id="{3AE41257-65C9-4E66-B911-6A7655971444}"/>
+              </a:ext>
+            </a:extLst>
+          </p:cNvPr>
+          <p:cNvSpPr/>
+          <p:nvPr/>
+        </p:nvSpPr>
+        <p:spPr>
+          <a:xfrm>
+            <a:off x="1534332" y="1689315"/>
+            <a:ext cx="8338088" cy="3347634"/>
+          </a:xfrm>
+          <a:prstGeom prst="rect">
+            <a:avLst/>
+          </a:prstGeom>
+          <a:noFill/>
+        </p:spPr>
+        <p:style>
+          <a:lnRef idx="2">
+            <a:schemeClr val="accent1">
+              <a:shade val="50000"/>
+            </a:schemeClr>
+          </a:lnRef>
+          <a:fillRef idx="1">
+            <a:schemeClr val="accent1"/>
+          </a:fillRef>
+          <a:effectRef idx="0">
+            <a:schemeClr val="accent1"/>
+          </a:effectRef>
+          <a:fontRef idx="minor">
+            <a:schemeClr val="lt1"/>
+          </a:fontRef>
+        </p:style>
+        <p:txBody>
+          <a:bodyPr rtlCol="0" anchor="ctr"/>
+          <a:lstStyle/>
+          <a:p>
+            <a:pPr algn="ctr"/>
+            <a:endParaRPr lang="en-CA"/>
+          </a:p>
+        </p:txBody>
+      </p:sp>
+      <p:sp>
+        <p:nvSpPr>
+          <p:cNvPr id="5" name="TextBox 4">
+            <a:extLst>
+              <a:ext uri="{FF2B5EF4-FFF2-40B4-BE49-F238E27FC236}">
+                <a16:creationId xmlns:a16="http://schemas.microsoft.com/office/drawing/2014/main" id="{A2D5AA41-A33C-4207-8749-671EB33F64AF}"/>
+              </a:ext>
+            </a:extLst>
+          </p:cNvPr>
+          <p:cNvSpPr txBox="1"/>
+          <p:nvPr/>
+        </p:nvSpPr>
+        <p:spPr>
+          <a:xfrm>
+            <a:off x="1797799" y="2034747"/>
+            <a:ext cx="2371241" cy="369332"/>
+          </a:xfrm>
+          <a:prstGeom prst="rect">
+            <a:avLst/>
+          </a:prstGeom>
+          <a:noFill/>
+        </p:spPr>
+        <p:txBody>
+          <a:bodyPr wrap="square" rtlCol="0">
+            <a:spAutoFit/>
+          </a:bodyPr>
+          <a:lstStyle/>
+          <a:p>
+            <a:r>
+              <a:rPr lang="en-US" dirty="0"/>
+              <a:t>Project Name</a:t>
+            </a:r>
+            <a:endParaRPr lang="en-CA" dirty="0"/>
+          </a:p>
+        </p:txBody>
+      </p:sp>
+      <p:sp>
+        <p:nvSpPr>
+          <p:cNvPr id="6" name="TextBox 5">
+            <a:extLst>
+              <a:ext uri="{FF2B5EF4-FFF2-40B4-BE49-F238E27FC236}">
+                <a16:creationId xmlns:a16="http://schemas.microsoft.com/office/drawing/2014/main" id="{DB1BC08A-3368-4719-99C2-5D5E05852F21}"/>
+              </a:ext>
+            </a:extLst>
+          </p:cNvPr>
+          <p:cNvSpPr txBox="1"/>
+          <p:nvPr/>
+        </p:nvSpPr>
+        <p:spPr>
+          <a:xfrm>
+            <a:off x="7307457" y="4023802"/>
+            <a:ext cx="2128430" cy="369332"/>
+          </a:xfrm>
+          <a:prstGeom prst="rect">
+            <a:avLst/>
+          </a:prstGeom>
+          <a:noFill/>
+        </p:spPr>
+        <p:txBody>
+          <a:bodyPr wrap="square" rtlCol="0">
+            <a:spAutoFit/>
+          </a:bodyPr>
+          <a:lstStyle/>
+          <a:p>
+            <a:r>
+              <a:rPr lang="en-US" dirty="0"/>
+              <a:t>3 of 5 collaborators</a:t>
+            </a:r>
+            <a:endParaRPr lang="en-CA" dirty="0"/>
+          </a:p>
+        </p:txBody>
+      </p:sp>
+      <p:sp>
+        <p:nvSpPr>
+          <p:cNvPr id="7" name="TextBox 6">
+            <a:extLst>
+              <a:ext uri="{FF2B5EF4-FFF2-40B4-BE49-F238E27FC236}">
+                <a16:creationId xmlns:a16="http://schemas.microsoft.com/office/drawing/2014/main" id="{2B155EC1-CBBE-4F51-A511-780E1ABFC0EF}"/>
+              </a:ext>
+            </a:extLst>
+          </p:cNvPr>
+          <p:cNvSpPr txBox="1"/>
+          <p:nvPr/>
+        </p:nvSpPr>
+        <p:spPr>
+          <a:xfrm>
+            <a:off x="1797802" y="2443480"/>
+            <a:ext cx="5207432" cy="923330"/>
+          </a:xfrm>
+          <a:prstGeom prst="rect">
+            <a:avLst/>
+          </a:prstGeom>
+          <a:noFill/>
+        </p:spPr>
+        <p:txBody>
+          <a:bodyPr wrap="square" rtlCol="0">
+            <a:spAutoFit/>
+          </a:bodyPr>
+          <a:lstStyle/>
+          <a:p>
+            <a:r>
+              <a:rPr lang="en-US" dirty="0"/>
+              <a:t>Project Description could be a few lines long depending on the project random WORDS TO FILL THE LINE ETC </a:t>
+            </a:r>
+            <a:r>
+              <a:rPr lang="en-US" dirty="0" err="1"/>
+              <a:t>ETC</a:t>
+            </a:r>
+            <a:endParaRPr lang="en-CA" dirty="0"/>
+          </a:p>
+        </p:txBody>
+      </p:sp>
+      <p:sp>
+        <p:nvSpPr>
+          <p:cNvPr id="8" name="TextBox 7">
+            <a:extLst>
+              <a:ext uri="{FF2B5EF4-FFF2-40B4-BE49-F238E27FC236}">
+                <a16:creationId xmlns:a16="http://schemas.microsoft.com/office/drawing/2014/main" id="{E5537653-CC90-46AB-BFDA-65B7933589D1}"/>
+              </a:ext>
+            </a:extLst>
+          </p:cNvPr>
+          <p:cNvSpPr txBox="1"/>
+          <p:nvPr/>
+        </p:nvSpPr>
+        <p:spPr>
+          <a:xfrm>
+            <a:off x="1797801" y="3564610"/>
+            <a:ext cx="3518117" cy="369332"/>
+          </a:xfrm>
+          <a:prstGeom prst="rect">
+            <a:avLst/>
+          </a:prstGeom>
+          <a:noFill/>
+        </p:spPr>
+        <p:txBody>
+          <a:bodyPr wrap="square" rtlCol="0">
+            <a:spAutoFit/>
+          </a:bodyPr>
+          <a:lstStyle/>
+          <a:p>
+            <a:r>
+              <a:rPr lang="en-US" dirty="0"/>
+              <a:t>Interest 1 – experience medal </a:t>
+            </a:r>
+            <a:endParaRPr lang="en-CA" dirty="0"/>
+          </a:p>
+        </p:txBody>
+      </p:sp>
+      <p:sp>
+        <p:nvSpPr>
+          <p:cNvPr id="9" name="TextBox 8">
+            <a:extLst>
+              <a:ext uri="{FF2B5EF4-FFF2-40B4-BE49-F238E27FC236}">
+                <a16:creationId xmlns:a16="http://schemas.microsoft.com/office/drawing/2014/main" id="{9597983C-744A-491F-9044-5CAA030F098E}"/>
+              </a:ext>
+            </a:extLst>
+          </p:cNvPr>
+          <p:cNvSpPr txBox="1"/>
+          <p:nvPr/>
+        </p:nvSpPr>
+        <p:spPr>
+          <a:xfrm>
+            <a:off x="1797800" y="3933942"/>
+            <a:ext cx="3518117" cy="369332"/>
+          </a:xfrm>
+          <a:prstGeom prst="rect">
+            <a:avLst/>
+          </a:prstGeom>
+          <a:noFill/>
+        </p:spPr>
+        <p:txBody>
+          <a:bodyPr wrap="square" rtlCol="0">
+            <a:spAutoFit/>
+          </a:bodyPr>
+          <a:lstStyle/>
+          <a:p>
+            <a:r>
+              <a:rPr lang="en-US" dirty="0"/>
+              <a:t>Interest 2 – experience medal </a:t>
+            </a:r>
+            <a:endParaRPr lang="en-CA" dirty="0"/>
+          </a:p>
+        </p:txBody>
+      </p:sp>
+      <p:sp>
+        <p:nvSpPr>
+          <p:cNvPr id="10" name="TextBox 9">
+            <a:extLst>
+              <a:ext uri="{FF2B5EF4-FFF2-40B4-BE49-F238E27FC236}">
+                <a16:creationId xmlns:a16="http://schemas.microsoft.com/office/drawing/2014/main" id="{31BC62BC-7BCA-4089-B8CC-FA021BC0D88C}"/>
+              </a:ext>
+            </a:extLst>
+          </p:cNvPr>
+          <p:cNvSpPr txBox="1"/>
+          <p:nvPr/>
+        </p:nvSpPr>
+        <p:spPr>
+          <a:xfrm>
+            <a:off x="1797799" y="4303274"/>
+            <a:ext cx="3518117" cy="369332"/>
+          </a:xfrm>
+          <a:prstGeom prst="rect">
+            <a:avLst/>
+          </a:prstGeom>
+          <a:noFill/>
+        </p:spPr>
+        <p:txBody>
+          <a:bodyPr wrap="square" rtlCol="0">
+            <a:spAutoFit/>
+          </a:bodyPr>
+          <a:lstStyle/>
+          <a:p>
+            <a:r>
+              <a:rPr lang="en-US" dirty="0"/>
+              <a:t>Interest 3 – experience medal </a:t>
+            </a:r>
+            <a:endParaRPr lang="en-CA" dirty="0"/>
+          </a:p>
+        </p:txBody>
+      </p:sp>
+      <p:sp>
+        <p:nvSpPr>
+          <p:cNvPr id="11" name="TextBox 10">
+            <a:extLst>
+              <a:ext uri="{FF2B5EF4-FFF2-40B4-BE49-F238E27FC236}">
+                <a16:creationId xmlns:a16="http://schemas.microsoft.com/office/drawing/2014/main" id="{C5AB6104-2F8B-44C3-B831-99677227F8F3}"/>
+              </a:ext>
+            </a:extLst>
+          </p:cNvPr>
+          <p:cNvSpPr txBox="1"/>
+          <p:nvPr/>
+        </p:nvSpPr>
+        <p:spPr>
+          <a:xfrm>
+            <a:off x="7465016" y="2057379"/>
+            <a:ext cx="2371241" cy="369332"/>
+          </a:xfrm>
+          <a:prstGeom prst="rect">
+            <a:avLst/>
+          </a:prstGeom>
+          <a:noFill/>
+        </p:spPr>
+        <p:txBody>
+          <a:bodyPr wrap="square" rtlCol="0">
+            <a:spAutoFit/>
+          </a:bodyPr>
+          <a:lstStyle/>
+          <a:p>
+            <a:r>
+              <a:rPr lang="en-US" dirty="0"/>
+              <a:t>Project Owner Name</a:t>
+            </a:r>
+            <a:endParaRPr lang="en-CA" dirty="0"/>
+          </a:p>
+        </p:txBody>
+      </p:sp>
+      <p:sp>
+        <p:nvSpPr>
+          <p:cNvPr id="12" name="TextBox 11">
+            <a:extLst>
+              <a:ext uri="{FF2B5EF4-FFF2-40B4-BE49-F238E27FC236}">
+                <a16:creationId xmlns:a16="http://schemas.microsoft.com/office/drawing/2014/main" id="{BC9AC890-FDF1-4CEB-A6A0-84C0D7831944}"/>
+              </a:ext>
+            </a:extLst>
+          </p:cNvPr>
+          <p:cNvSpPr txBox="1"/>
+          <p:nvPr/>
+        </p:nvSpPr>
+        <p:spPr>
+          <a:xfrm>
+            <a:off x="6876084" y="3152001"/>
+            <a:ext cx="2717362" cy="369332"/>
+          </a:xfrm>
+          <a:prstGeom prst="rect">
+            <a:avLst/>
+          </a:prstGeom>
+          <a:noFill/>
+        </p:spPr>
+        <p:txBody>
+          <a:bodyPr wrap="square" rtlCol="0">
+            <a:spAutoFit/>
+          </a:bodyPr>
+          <a:lstStyle/>
+          <a:p>
+            <a:r>
+              <a:rPr lang="en-US" dirty="0"/>
+              <a:t>Time required: 3 </a:t>
+            </a:r>
+            <a:r>
+              <a:rPr lang="en-US" dirty="0" err="1"/>
+              <a:t>hrs</a:t>
+            </a:r>
+            <a:r>
+              <a:rPr lang="en-US" dirty="0"/>
+              <a:t>/week</a:t>
+            </a:r>
+            <a:endParaRPr lang="en-CA" dirty="0"/>
+          </a:p>
+        </p:txBody>
+      </p:sp>
+      <p:sp>
+        <p:nvSpPr>
+          <p:cNvPr id="13" name="TextBox 12">
+            <a:extLst>
+              <a:ext uri="{FF2B5EF4-FFF2-40B4-BE49-F238E27FC236}">
+                <a16:creationId xmlns:a16="http://schemas.microsoft.com/office/drawing/2014/main" id="{63551679-0409-48D1-B408-8F768CFE2B43}"/>
+              </a:ext>
+            </a:extLst>
+          </p:cNvPr>
+          <p:cNvSpPr txBox="1"/>
+          <p:nvPr/>
+        </p:nvSpPr>
+        <p:spPr>
+          <a:xfrm>
+            <a:off x="6571281" y="3564610"/>
+            <a:ext cx="3022165" cy="369332"/>
+          </a:xfrm>
+          <a:prstGeom prst="rect">
+            <a:avLst/>
+          </a:prstGeom>
+          <a:noFill/>
+        </p:spPr>
+        <p:txBody>
+          <a:bodyPr wrap="square" rtlCol="0">
+            <a:spAutoFit/>
+          </a:bodyPr>
+          <a:lstStyle/>
+          <a:p>
+            <a:r>
+              <a:rPr lang="en-US" dirty="0"/>
+              <a:t>Expected duration: 7 weeks</a:t>
+            </a:r>
+            <a:endParaRPr lang="en-CA" dirty="0"/>
+          </a:p>
+        </p:txBody>
+      </p:sp>
+      <p:sp>
+        <p:nvSpPr>
+          <p:cNvPr id="15" name="Rectangle 14">
+            <a:extLst>
+              <a:ext uri="{FF2B5EF4-FFF2-40B4-BE49-F238E27FC236}">
+                <a16:creationId xmlns:a16="http://schemas.microsoft.com/office/drawing/2014/main" id="{8C92AF8C-34A9-48F4-8AFD-E219250CE769}"/>
+              </a:ext>
+            </a:extLst>
+          </p:cNvPr>
+          <p:cNvSpPr/>
+          <p:nvPr/>
+        </p:nvSpPr>
+        <p:spPr>
+          <a:xfrm>
+            <a:off x="8234765" y="4543365"/>
+            <a:ext cx="785249" cy="369331"/>
+          </a:xfrm>
+          <a:prstGeom prst="rect">
+            <a:avLst/>
+          </a:prstGeom>
+          <a:noFill/>
+        </p:spPr>
+        <p:style>
+          <a:lnRef idx="2">
+            <a:schemeClr val="accent1">
+              <a:shade val="50000"/>
+            </a:schemeClr>
+          </a:lnRef>
+          <a:fillRef idx="1">
+            <a:schemeClr val="accent1"/>
+          </a:fillRef>
+          <a:effectRef idx="0">
+            <a:schemeClr val="accent1"/>
+          </a:effectRef>
+          <a:fontRef idx="minor">
+            <a:schemeClr val="lt1"/>
+          </a:fontRef>
+        </p:style>
+        <p:txBody>
+          <a:bodyPr rtlCol="0" anchor="ctr"/>
+          <a:lstStyle/>
+          <a:p>
+            <a:pPr algn="ctr"/>
+            <a:endParaRPr lang="en-CA"/>
+          </a:p>
+        </p:txBody>
+      </p:sp>
+      <p:sp>
+        <p:nvSpPr>
+          <p:cNvPr id="16" name="TextBox 15">
+            <a:extLst>
+              <a:ext uri="{FF2B5EF4-FFF2-40B4-BE49-F238E27FC236}">
+                <a16:creationId xmlns:a16="http://schemas.microsoft.com/office/drawing/2014/main" id="{A82F9632-17F2-446E-A3A7-79F819844B35}"/>
+              </a:ext>
+            </a:extLst>
+          </p:cNvPr>
+          <p:cNvSpPr txBox="1"/>
+          <p:nvPr/>
+        </p:nvSpPr>
+        <p:spPr>
+          <a:xfrm>
+            <a:off x="8234765" y="4543364"/>
+            <a:ext cx="924733" cy="369332"/>
+          </a:xfrm>
+          <a:prstGeom prst="rect">
+            <a:avLst/>
+          </a:prstGeom>
+          <a:noFill/>
+        </p:spPr>
+        <p:txBody>
+          <a:bodyPr wrap="square" rtlCol="0">
+            <a:spAutoFit/>
+          </a:bodyPr>
+          <a:lstStyle/>
+          <a:p>
+            <a:r>
+              <a:rPr lang="en-US" dirty="0"/>
+              <a:t>Join</a:t>
+            </a:r>
+            <a:endParaRPr lang="en-CA" dirty="0"/>
+          </a:p>
+        </p:txBody>
+      </p:sp>
+    </p:spTree>
+    <p:extLst>
+      <p:ext uri="{BB962C8B-B14F-4D97-AF65-F5344CB8AC3E}">
+        <p14:creationId xmlns:p14="http://schemas.microsoft.com/office/powerpoint/2010/main" val="3035063525"/>
+      </p:ext>
+    </p:extLst>
+  </p:cSld>
+  <p:clrMapOvr>
+    <a:masterClrMapping/>
+  </p:clrMapOvr>
+</p:sld>
+</file>
+
 <file path=ppt/theme/theme1.xml><?xml version="1.0" encoding="utf-8"?>
 <a:theme xmlns:a="http://schemas.openxmlformats.org/drawingml/2006/main" name="Office Theme">
   <a:themeElements>
